--- a/IHP_2024/20240731/NR_緒方_20240801小島修正.pptx
+++ b/IHP_2024/20240731/NR_緒方_20240801小島修正.pptx
@@ -22892,8 +22892,8 @@
           </p:style>
         </p:cxnSp>
       </p:grpSp>
-      <mc:AlternateContent xmlns:mc="http://schemas.openxmlformats.org/markup-compatibility/2006">
-        <mc:Choice xmlns:a14="http://schemas.microsoft.com/office/drawing/2010/main" Requires="a14">
+      <mc:AlternateContent xmlns:mc="http://schemas.openxmlformats.org/markup-compatibility/2006" xmlns:a14="http://schemas.microsoft.com/office/drawing/2010/main">
+        <mc:Choice Requires="a14">
           <p:sp>
             <p:nvSpPr>
               <p:cNvPr id="67" name="テキスト ボックス 66">
@@ -23060,6 +23060,7 @@
                 </a:endParaRPr>
               </a:p>
               <a:p>
+                <a:pPr/>
                 <a14:m>
                   <m:oMathPara xmlns:m="http://schemas.openxmlformats.org/officeDocument/2006/math">
                     <m:oMathParaPr>
@@ -23120,6 +23121,7 @@
                 </a:endParaRPr>
               </a:p>
               <a:p>
+                <a:pPr/>
                 <a14:m>
                   <m:oMathPara xmlns:m="http://schemas.openxmlformats.org/officeDocument/2006/math">
                     <m:oMathParaPr>
@@ -23294,7 +23296,7 @@
             </p:txBody>
           </p:sp>
         </mc:Choice>
-        <mc:Fallback>
+        <mc:Fallback xmlns="">
           <p:sp>
             <p:nvSpPr>
               <p:cNvPr id="67" name="テキスト ボックス 66">
@@ -23995,8 +23997,8 @@
           </a:prstGeom>
         </p:spPr>
       </p:pic>
-      <mc:AlternateContent xmlns:mc="http://schemas.openxmlformats.org/markup-compatibility/2006">
-        <mc:Choice xmlns:a14="http://schemas.microsoft.com/office/drawing/2010/main" Requires="a14">
+      <mc:AlternateContent xmlns:mc="http://schemas.openxmlformats.org/markup-compatibility/2006" xmlns:a14="http://schemas.microsoft.com/office/drawing/2010/main">
+        <mc:Choice Requires="a14">
           <p:sp>
             <p:nvSpPr>
               <p:cNvPr id="6" name="テキスト ボックス 5">
@@ -24142,6 +24144,7 @@
                 <a:endParaRPr kumimoji="1" lang="en-US" altLang="ja-JP" dirty="0"/>
               </a:p>
               <a:p>
+                <a:pPr/>
                 <a14:m>
                   <m:oMathPara xmlns:m="http://schemas.openxmlformats.org/officeDocument/2006/math">
                     <m:oMathParaPr>
@@ -24253,7 +24256,7 @@
             </p:txBody>
           </p:sp>
         </mc:Choice>
-        <mc:Fallback>
+        <mc:Fallback xmlns="">
           <p:sp>
             <p:nvSpPr>
               <p:cNvPr id="6" name="テキスト ボックス 5">

--- a/IHP_2024/20240731/NR_緒方_20240801小島修正.pptx
+++ b/IHP_2024/20240731/NR_緒方_20240801小島修正.pptx
@@ -4229,7 +4229,7 @@
             </a:r>
             <a:r>
               <a:rPr kumimoji="1" lang="ja-JP" altLang="en-US" dirty="0"/>
-              <a:t>　緒方敦洋</a:t>
+              <a:t>　緒方敦洋　小島光</a:t>
             </a:r>
           </a:p>
         </p:txBody>
@@ -16927,13 +16927,10 @@
           <a:lstStyle/>
           <a:p>
             <a:r>
-              <a:rPr lang="ja-JP" altLang="en-US" dirty="0"/>
-              <a:t>回路</a:t>
-            </a:r>
-            <a:r>
-              <a:rPr kumimoji="1" lang="ja-JP" altLang="en-US" dirty="0"/>
-              <a:t>作成候補</a:t>
-            </a:r>
+              <a:rPr kumimoji="1" lang="ja-JP" altLang="en-US"/>
+              <a:t>試作する回路の種類・数の試案</a:t>
+            </a:r>
+            <a:endParaRPr kumimoji="1" lang="ja-JP" altLang="en-US" dirty="0"/>
           </a:p>
         </p:txBody>
       </p:sp>
@@ -23648,8 +23645,23 @@
             </a:r>
             <a:r>
               <a:rPr kumimoji="1" lang="ja-JP" altLang="en-US" dirty="0"/>
-              <a:t>配置から検討した回路面積について</a:t>
-            </a:r>
+              <a:t>配置から検討した回路面積</a:t>
+            </a:r>
+            <a:endParaRPr lang="en-US" altLang="ja-JP" dirty="0"/>
+          </a:p>
+          <a:p>
+            <a:r>
+              <a:rPr kumimoji="1" lang="ja-JP" altLang="en-US" dirty="0"/>
+              <a:t>・試作する回路の種類・数の試案</a:t>
+            </a:r>
+            <a:endParaRPr kumimoji="1" lang="en-US" altLang="ja-JP" dirty="0"/>
+          </a:p>
+          <a:p>
+            <a:r>
+              <a:rPr lang="ja-JP" altLang="en-US" dirty="0"/>
+              <a:t>・</a:t>
+            </a:r>
+            <a:endParaRPr kumimoji="1" lang="ja-JP" altLang="en-US" dirty="0"/>
           </a:p>
         </p:txBody>
       </p:sp>
@@ -23989,7 +24001,7 @@
         </p:blipFill>
         <p:spPr>
           <a:xfrm>
-            <a:off x="396281" y="1649332"/>
+            <a:off x="744624" y="1649332"/>
             <a:ext cx="4398273" cy="4242825"/>
           </a:xfrm>
           <a:prstGeom prst="rect">
@@ -24013,8 +24025,8 @@
             </p:nvSpPr>
             <p:spPr>
               <a:xfrm>
-                <a:off x="6079267" y="2290618"/>
-                <a:ext cx="4838115" cy="1747786"/>
+                <a:off x="6408994" y="2272448"/>
+                <a:ext cx="4838115" cy="3896708"/>
               </a:xfrm>
               <a:prstGeom prst="rect">
                 <a:avLst/>
@@ -24027,53 +24039,9 @@
               </a:bodyPr>
               <a:lstStyle/>
               <a:p>
-                <a14:m>
-                  <m:oMath xmlns:m="http://schemas.openxmlformats.org/officeDocument/2006/math">
-                    <m:sSub>
-                      <m:sSubPr>
-                        <m:ctrlPr>
-                          <a:rPr kumimoji="1" lang="en-US" altLang="ja-JP" b="0" i="1" smtClean="0">
-                            <a:latin typeface="Cambria Math" panose="02040503050406030204" pitchFamily="18" charset="0"/>
-                          </a:rPr>
-                        </m:ctrlPr>
-                      </m:sSubPr>
-                      <m:e>
-                        <m:r>
-                          <a:rPr kumimoji="1" lang="en-US" altLang="ja-JP" b="0" i="1" smtClean="0">
-                            <a:latin typeface="Cambria Math" panose="02040503050406030204" pitchFamily="18" charset="0"/>
-                          </a:rPr>
-                          <m:t>𝐼</m:t>
-                        </m:r>
-                      </m:e>
-                      <m:sub>
-                        <m:r>
-                          <a:rPr kumimoji="1" lang="en-US" altLang="ja-JP" b="0" i="1" smtClean="0">
-                            <a:latin typeface="Cambria Math" panose="02040503050406030204" pitchFamily="18" charset="0"/>
-                          </a:rPr>
-                          <m:t>𝐶</m:t>
-                        </m:r>
-                      </m:sub>
-                    </m:sSub>
-                    <m:r>
-                      <a:rPr kumimoji="1" lang="en-US" altLang="ja-JP" b="0" i="1" smtClean="0">
-                        <a:latin typeface="Cambria Math" panose="02040503050406030204" pitchFamily="18" charset="0"/>
-                      </a:rPr>
-                      <m:t>=1 </m:t>
-                    </m:r>
-                    <m:r>
-                      <m:rPr>
-                        <m:sty m:val="p"/>
-                      </m:rPr>
-                      <a:rPr kumimoji="1" lang="en-US" altLang="ja-JP" b="0" i="0" smtClean="0">
-                        <a:latin typeface="Cambria Math" panose="02040503050406030204" pitchFamily="18" charset="0"/>
-                      </a:rPr>
-                      <m:t>mA</m:t>
-                    </m:r>
-                  </m:oMath>
-                </a14:m>
                 <a:r>
                   <a:rPr kumimoji="1" lang="ja-JP" altLang="en-US" dirty="0"/>
-                  <a:t>、入力抵抗</a:t>
+                  <a:t>入力抵抗</a:t>
                 </a:r>
                 <a14:m>
                   <m:oMath xmlns:m="http://schemas.openxmlformats.org/officeDocument/2006/math">
@@ -24098,9 +24066,6 @@
                   <a:rPr kumimoji="1" lang="ja-JP" altLang="en-US" dirty="0"/>
                   <a:t>とすると</a:t>
                 </a:r>
-                <a:endParaRPr kumimoji="1" lang="en-US" altLang="ja-JP" dirty="0"/>
-              </a:p>
-              <a:p>
                 <a:endParaRPr lang="en-US" altLang="ja-JP" dirty="0"/>
               </a:p>
               <a:p>
@@ -24226,32 +24191,267 @@
               </a:p>
               <a:p>
                 <a:r>
+                  <a:rPr lang="en-US" altLang="ja-JP" dirty="0"/>
+                  <a:t>TIA</a:t>
+                </a:r>
+                <a:r>
                   <a:rPr lang="ja-JP" altLang="en-US" dirty="0"/>
-                  <a:t>であるので、これを</a:t>
+                  <a:t>二つの場合容量値を半分にすれば</a:t>
                 </a:r>
+                <a:endParaRPr kumimoji="1" lang="en-US" altLang="ja-JP" dirty="0"/>
+              </a:p>
+              <a:p>
+                <a:r>
+                  <a:rPr lang="ja-JP" altLang="en-US" dirty="0"/>
+                  <a:t>であるので、</a:t>
+                </a:r>
+                <a:r>
+                  <a:rPr lang="en-US" altLang="ja-JP" dirty="0"/>
+                  <a:t>M-</a:t>
+                </a:r>
+                <a:r>
+                  <a:rPr lang="en-US" altLang="ja-JP" dirty="0" err="1"/>
+                  <a:t>Varicap</a:t>
+                </a:r>
+                <a:r>
+                  <a:rPr lang="ja-JP" altLang="en-US" dirty="0"/>
+                  <a:t>の場合</a:t>
+                </a:r>
+                <a:endParaRPr lang="en-US" altLang="ja-JP" dirty="0"/>
+              </a:p>
+              <a:p>
+                <a:pPr/>
                 <a14:m>
-                  <m:oMath xmlns:m="http://schemas.openxmlformats.org/officeDocument/2006/math">
-                    <m:r>
-                      <a:rPr lang="en-US" altLang="ja-JP" b="0" i="1" smtClean="0">
-                        <a:latin typeface="Cambria Math" panose="02040503050406030204" pitchFamily="18" charset="0"/>
-                      </a:rPr>
-                      <m:t>1 </m:t>
-                    </m:r>
-                    <m:r>
-                      <m:rPr>
-                        <m:sty m:val="p"/>
-                      </m:rPr>
-                      <a:rPr lang="en-US" altLang="ja-JP" b="0" i="0" smtClean="0">
-                        <a:latin typeface="Cambria Math" panose="02040503050406030204" pitchFamily="18" charset="0"/>
-                      </a:rPr>
-                      <m:t>MHz</m:t>
-                    </m:r>
-                  </m:oMath>
+                  <m:oMathPara xmlns:m="http://schemas.openxmlformats.org/officeDocument/2006/math">
+                    <m:oMathParaPr>
+                      <m:jc m:val="centerGroup"/>
+                    </m:oMathParaPr>
+                    <m:oMath xmlns:m="http://schemas.openxmlformats.org/officeDocument/2006/math">
+                      <m:f>
+                        <m:fPr>
+                          <m:ctrlPr>
+                            <a:rPr kumimoji="1" lang="en-US" altLang="ja-JP" b="0" i="1" smtClean="0">
+                              <a:latin typeface="Cambria Math" panose="02040503050406030204" pitchFamily="18" charset="0"/>
+                            </a:rPr>
+                          </m:ctrlPr>
+                        </m:fPr>
+                        <m:num>
+                          <m:r>
+                            <a:rPr kumimoji="1" lang="en-US" altLang="ja-JP" b="0" i="1" smtClean="0">
+                              <a:latin typeface="Cambria Math" panose="02040503050406030204" pitchFamily="18" charset="0"/>
+                            </a:rPr>
+                            <m:t>1</m:t>
+                          </m:r>
+                        </m:num>
+                        <m:den>
+                          <m:r>
+                            <a:rPr kumimoji="1" lang="en-US" altLang="ja-JP" b="0" i="1" smtClean="0">
+                              <a:latin typeface="Cambria Math" panose="02040503050406030204" pitchFamily="18" charset="0"/>
+                            </a:rPr>
+                            <m:t>2</m:t>
+                          </m:r>
+                          <m:r>
+                            <a:rPr kumimoji="1" lang="en-US" altLang="ja-JP" b="0" i="1" smtClean="0">
+                              <a:latin typeface="Cambria Math" panose="02040503050406030204" pitchFamily="18" charset="0"/>
+                            </a:rPr>
+                            <m:t>𝜋</m:t>
+                          </m:r>
+                          <m:r>
+                            <a:rPr kumimoji="1" lang="en-US" altLang="ja-JP" b="0" i="1" smtClean="0">
+                              <a:latin typeface="Cambria Math" panose="02040503050406030204" pitchFamily="18" charset="0"/>
+                            </a:rPr>
+                            <m:t>⋅2×</m:t>
+                          </m:r>
+                          <m:sSup>
+                            <m:sSupPr>
+                              <m:ctrlPr>
+                                <a:rPr kumimoji="1" lang="en-US" altLang="ja-JP" b="0" i="1" smtClean="0">
+                                  <a:latin typeface="Cambria Math" panose="02040503050406030204" pitchFamily="18" charset="0"/>
+                                </a:rPr>
+                              </m:ctrlPr>
+                            </m:sSupPr>
+                            <m:e>
+                              <m:r>
+                                <a:rPr kumimoji="1" lang="en-US" altLang="ja-JP" b="0" i="1" smtClean="0">
+                                  <a:latin typeface="Cambria Math" panose="02040503050406030204" pitchFamily="18" charset="0"/>
+                                </a:rPr>
+                                <m:t>10</m:t>
+                              </m:r>
+                            </m:e>
+                            <m:sup>
+                              <m:r>
+                                <a:rPr kumimoji="1" lang="en-US" altLang="ja-JP" b="0" i="1" smtClean="0">
+                                  <a:latin typeface="Cambria Math" panose="02040503050406030204" pitchFamily="18" charset="0"/>
+                                </a:rPr>
+                                <m:t>−9</m:t>
+                              </m:r>
+                            </m:sup>
+                          </m:sSup>
+                          <m:r>
+                            <a:rPr kumimoji="1" lang="en-US" altLang="ja-JP" b="0" i="1" smtClean="0">
+                              <a:latin typeface="Cambria Math" panose="02040503050406030204" pitchFamily="18" charset="0"/>
+                            </a:rPr>
+                            <m:t>⋅50</m:t>
+                          </m:r>
+                        </m:den>
+                      </m:f>
+                      <m:r>
+                        <a:rPr kumimoji="1" lang="en-US" altLang="ja-JP" b="0" i="1" smtClean="0">
+                          <a:latin typeface="Cambria Math" panose="02040503050406030204" pitchFamily="18" charset="0"/>
+                        </a:rPr>
+                        <m:t>≈1.6 </m:t>
+                      </m:r>
+                      <m:r>
+                        <m:rPr>
+                          <m:sty m:val="p"/>
+                        </m:rPr>
+                        <a:rPr kumimoji="1" lang="en-US" altLang="ja-JP" b="0" i="0" smtClean="0">
+                          <a:latin typeface="Cambria Math" panose="02040503050406030204" pitchFamily="18" charset="0"/>
+                        </a:rPr>
+                        <m:t>MHz</m:t>
+                      </m:r>
+                    </m:oMath>
+                  </m:oMathPara>
                 </a14:m>
+                <a:endParaRPr kumimoji="1" lang="en-US" altLang="ja-JP" b="0" dirty="0"/>
+              </a:p>
+              <a:p>
+                <a:r>
+                  <a:rPr kumimoji="1" lang="en-US" altLang="ja-JP" dirty="0"/>
+                  <a:t>MIM</a:t>
+                </a:r>
                 <a:r>
                   <a:rPr kumimoji="1" lang="ja-JP" altLang="en-US" dirty="0"/>
-                  <a:t>とすると</a:t>
+                  <a:t>キャパシタの場合</a:t>
                 </a:r>
+                <a:endParaRPr kumimoji="1" lang="en-US" altLang="ja-JP" dirty="0"/>
+              </a:p>
+              <a:p>
+                <a:pPr/>
+                <a14:m>
+                  <m:oMathPara xmlns:m="http://schemas.openxmlformats.org/officeDocument/2006/math">
+                    <m:oMathParaPr>
+                      <m:jc m:val="centerGroup"/>
+                    </m:oMathParaPr>
+                    <m:oMath xmlns:m="http://schemas.openxmlformats.org/officeDocument/2006/math">
+                      <m:f>
+                        <m:fPr>
+                          <m:ctrlPr>
+                            <a:rPr kumimoji="1" lang="en-US" altLang="ja-JP" b="0" i="1" smtClean="0">
+                              <a:latin typeface="Cambria Math" panose="02040503050406030204" pitchFamily="18" charset="0"/>
+                            </a:rPr>
+                          </m:ctrlPr>
+                        </m:fPr>
+                        <m:num>
+                          <m:r>
+                            <a:rPr kumimoji="1" lang="en-US" altLang="ja-JP" b="0" i="1" smtClean="0">
+                              <a:latin typeface="Cambria Math" panose="02040503050406030204" pitchFamily="18" charset="0"/>
+                            </a:rPr>
+                            <m:t>1</m:t>
+                          </m:r>
+                        </m:num>
+                        <m:den>
+                          <m:r>
+                            <a:rPr kumimoji="1" lang="en-US" altLang="ja-JP" b="0" i="1" smtClean="0">
+                              <a:latin typeface="Cambria Math" panose="02040503050406030204" pitchFamily="18" charset="0"/>
+                            </a:rPr>
+                            <m:t>2</m:t>
+                          </m:r>
+                          <m:r>
+                            <a:rPr kumimoji="1" lang="en-US" altLang="ja-JP" b="0" i="1" smtClean="0">
+                              <a:latin typeface="Cambria Math" panose="02040503050406030204" pitchFamily="18" charset="0"/>
+                            </a:rPr>
+                            <m:t>𝜋</m:t>
+                          </m:r>
+                          <m:r>
+                            <a:rPr kumimoji="1" lang="en-US" altLang="ja-JP" b="0" i="1" smtClean="0">
+                              <a:latin typeface="Cambria Math" panose="02040503050406030204" pitchFamily="18" charset="0"/>
+                            </a:rPr>
+                            <m:t>⋅0.3365×</m:t>
+                          </m:r>
+                          <m:sSup>
+                            <m:sSupPr>
+                              <m:ctrlPr>
+                                <a:rPr kumimoji="1" lang="en-US" altLang="ja-JP" b="0" i="1" smtClean="0">
+                                  <a:latin typeface="Cambria Math" panose="02040503050406030204" pitchFamily="18" charset="0"/>
+                                </a:rPr>
+                              </m:ctrlPr>
+                            </m:sSupPr>
+                            <m:e>
+                              <m:r>
+                                <a:rPr kumimoji="1" lang="en-US" altLang="ja-JP" b="0" i="1" smtClean="0">
+                                  <a:latin typeface="Cambria Math" panose="02040503050406030204" pitchFamily="18" charset="0"/>
+                                </a:rPr>
+                                <m:t>10</m:t>
+                              </m:r>
+                            </m:e>
+                            <m:sup>
+                              <m:r>
+                                <a:rPr kumimoji="1" lang="en-US" altLang="ja-JP" b="0" i="1" smtClean="0">
+                                  <a:latin typeface="Cambria Math" panose="02040503050406030204" pitchFamily="18" charset="0"/>
+                                </a:rPr>
+                                <m:t>−9</m:t>
+                              </m:r>
+                            </m:sup>
+                          </m:sSup>
+                          <m:r>
+                            <a:rPr kumimoji="1" lang="en-US" altLang="ja-JP" b="0" i="1" smtClean="0">
+                              <a:latin typeface="Cambria Math" panose="02040503050406030204" pitchFamily="18" charset="0"/>
+                            </a:rPr>
+                            <m:t>⋅50</m:t>
+                          </m:r>
+                        </m:den>
+                      </m:f>
+                      <m:r>
+                        <a:rPr kumimoji="1" lang="en-US" altLang="ja-JP" b="0" i="1" smtClean="0">
+                          <a:latin typeface="Cambria Math" panose="02040503050406030204" pitchFamily="18" charset="0"/>
+                        </a:rPr>
+                        <m:t>≈</m:t>
+                      </m:r>
+                      <m:r>
+                        <a:rPr kumimoji="1" lang="en-US" altLang="ja-JP" b="0" i="0" smtClean="0">
+                          <a:latin typeface="Cambria Math" panose="02040503050406030204" pitchFamily="18" charset="0"/>
+                        </a:rPr>
+                        <m:t>10 </m:t>
+                      </m:r>
+                      <m:r>
+                        <m:rPr>
+                          <m:sty m:val="p"/>
+                        </m:rPr>
+                        <a:rPr kumimoji="1" lang="en-US" altLang="ja-JP" b="0" i="0" smtClean="0">
+                          <a:latin typeface="Cambria Math" panose="02040503050406030204" pitchFamily="18" charset="0"/>
+                        </a:rPr>
+                        <m:t>MHz</m:t>
+                      </m:r>
+                    </m:oMath>
+                  </m:oMathPara>
+                </a14:m>
+                <a:endParaRPr kumimoji="1" lang="en-US" altLang="ja-JP" b="0" dirty="0"/>
+              </a:p>
+              <a:p>
+                <a:endParaRPr lang="en-US" altLang="ja-JP" dirty="0"/>
+              </a:p>
+              <a:p>
+                <a:endParaRPr lang="en-US" altLang="ja-JP" dirty="0"/>
+              </a:p>
+              <a:p>
+                <a:r>
+                  <a:rPr lang="ja-JP" altLang="en-US" dirty="0"/>
+                  <a:t>ただし、現状</a:t>
+                </a:r>
+                <a:r>
+                  <a:rPr lang="en-US" altLang="ja-JP" dirty="0"/>
+                  <a:t>M-</a:t>
+                </a:r>
+                <a:r>
+                  <a:rPr lang="en-US" altLang="ja-JP" dirty="0" err="1"/>
+                  <a:t>Varicap</a:t>
+                </a:r>
+                <a:r>
+                  <a:rPr lang="ja-JP" altLang="en-US" dirty="0"/>
+                  <a:t>は使用方法が不明。</a:t>
+                </a:r>
+                <a:endParaRPr lang="en-US" altLang="ja-JP" dirty="0"/>
               </a:p>
             </p:txBody>
           </p:sp>
@@ -24273,8 +24473,8 @@
             </p:nvSpPr>
             <p:spPr>
               <a:xfrm>
-                <a:off x="6079267" y="2290618"/>
-                <a:ext cx="4838115" cy="1747786"/>
+                <a:off x="6408994" y="2272448"/>
+                <a:ext cx="4838115" cy="3896708"/>
               </a:xfrm>
               <a:prstGeom prst="rect">
                 <a:avLst/>
@@ -24282,7 +24482,7 @@
               <a:blipFill>
                 <a:blip r:embed="rId3"/>
                 <a:stretch>
-                  <a:fillRect l="-1008" t="-2797" b="-4196"/>
+                  <a:fillRect l="-1008" t="-1252" b="-1721"/>
                 </a:stretch>
               </a:blipFill>
             </p:spPr>
